--- a/2025_Б_ПІ_ПЗПІ-21-1_Середа_М_І/2025_Б_ПІ_ПЗПІ-21- 1_Середа_М_І.pptx
+++ b/2025_Б_ПІ_ПЗПІ-21-1_Середа_М_І/2025_Б_ПІ_ПЗПІ-21- 1_Середа_М_І.pptx
@@ -12295,7 +12295,7 @@
         </p:nvSpPr>
         <p:spPr>
           <a:xfrm>
-            <a:off x="2805450" y="1070245"/>
+            <a:off x="2786300" y="365712"/>
             <a:ext cx="3281100" cy="1978200"/>
           </a:xfrm>
           <a:prstGeom prst="rect">
@@ -12327,7 +12327,7 @@
             </a:pPr>
             <a:r>
               <a:rPr lang="uk" sz="2400" dirty="0"/>
-              <a:t>Веб застосунок для обліку замовлень та планувань оптимального розкрою листових матеріалів</a:t>
+              <a:t>Веб застосунок для обліку замовлень та планування розкрою листових матеріалів</a:t>
             </a:r>
             <a:endParaRPr sz="2400" dirty="0"/>
           </a:p>
@@ -15853,10 +15853,10 @@
               <a:buNone/>
             </a:pPr>
             <a:r>
-              <a:rPr lang="uk"/>
+              <a:rPr lang="uk" dirty="0"/>
               <a:t>Метою роботи є розробка веб-орієнтованої інформаційної системи для управління замовленнями та планування розкрою листових матеріалів. Система має забезпечувати зручне створення замовлень, планування розміщення креслень на листі, формування виробничих файлів, а також контроль статусів виконання.</a:t>
             </a:r>
-            <a:endParaRPr>
+            <a:endParaRPr dirty="0">
               <a:latin typeface="Economica"/>
               <a:ea typeface="Economica"/>
               <a:cs typeface="Economica"/>
@@ -15875,10 +15875,10 @@
               <a:buNone/>
             </a:pPr>
             <a:r>
-              <a:rPr lang="uk"/>
+              <a:rPr lang="uk" dirty="0"/>
               <a:t>Актуальність розробки зумовлена тим, що багатьох сервісах розкрою процеси обробки замовлень залишаються фрагментованими та ручними, що спричиняє помилки, затримки та неефективне використання ресурсів. Існуючі рішення не інтегрують управління клієнтами, ресурсами та життєвим циклом замовлень. Запропонована система покликана вирішити ці проблеми та надати підприємствам повноцінний цифровий інструмент.</a:t>
             </a:r>
-            <a:endParaRPr/>
+            <a:endParaRPr dirty="0"/>
           </a:p>
           <a:p>
             <a:pPr marL="0" lvl="0" indent="0" algn="just" rtl="0">
@@ -15891,7 +15891,7 @@
               <a:buSzPct val="61111"/>
               <a:buNone/>
             </a:pPr>
-            <a:endParaRPr/>
+            <a:endParaRPr dirty="0"/>
           </a:p>
           <a:p>
             <a:pPr marL="0" lvl="0" indent="0" algn="just" rtl="0">
@@ -15907,7 +15907,7 @@
               <a:buSzPct val="100000"/>
               <a:buNone/>
             </a:pPr>
-            <a:endParaRPr/>
+            <a:endParaRPr dirty="0"/>
           </a:p>
           <a:p>
             <a:pPr marL="0" lvl="0" indent="0" algn="just" rtl="0">
@@ -15923,7 +15923,7 @@
               <a:buSzPct val="100000"/>
               <a:buNone/>
             </a:pPr>
-            <a:endParaRPr>
+            <a:endParaRPr dirty="0">
               <a:latin typeface="Economica"/>
               <a:ea typeface="Economica"/>
               <a:cs typeface="Economica"/>
@@ -16142,10 +16142,10 @@
               <a:buNone/>
             </a:pPr>
             <a:r>
-              <a:rPr lang="uk"/>
+              <a:rPr lang="uk" dirty="0"/>
               <a:t>У результаті отримано:</a:t>
             </a:r>
-            <a:endParaRPr/>
+            <a:endParaRPr dirty="0"/>
           </a:p>
           <a:p>
             <a:pPr marL="457200" lvl="0" indent="-300037" algn="l" rtl="0">
@@ -16162,10 +16162,10 @@
               <a:buChar char="–"/>
             </a:pPr>
             <a:r>
-              <a:rPr lang="uk"/>
+              <a:rPr lang="uk" dirty="0"/>
               <a:t>розроблена система повністю відповідає поставленим вимогам;</a:t>
             </a:r>
-            <a:endParaRPr/>
+            <a:endParaRPr dirty="0"/>
           </a:p>
           <a:p>
             <a:pPr marL="457200" lvl="0" indent="-300037" algn="l" rtl="0">
@@ -16182,10 +16182,10 @@
               <a:buChar char="–"/>
             </a:pPr>
             <a:r>
-              <a:rPr lang="uk"/>
+              <a:rPr lang="uk" dirty="0"/>
               <a:t>реалізовано робочий MVP з підтримкою завантаження, обробки та перегляду креслень DXF;</a:t>
             </a:r>
-            <a:endParaRPr/>
+            <a:endParaRPr dirty="0"/>
           </a:p>
           <a:p>
             <a:pPr marL="457200" lvl="0" indent="-300037" algn="l" rtl="0">
@@ -16202,10 +16202,10 @@
               <a:buChar char="–"/>
             </a:pPr>
             <a:r>
-              <a:rPr lang="uk"/>
+              <a:rPr lang="uk" dirty="0"/>
               <a:t>забезпечено зручне адміністрування замовлень і планування розкрою.</a:t>
             </a:r>
-            <a:endParaRPr/>
+            <a:endParaRPr dirty="0"/>
           </a:p>
           <a:p>
             <a:pPr marL="0" lvl="0" indent="0" algn="l" rtl="0">
@@ -16226,10 +16226,10 @@
               <a:buNone/>
             </a:pPr>
             <a:r>
-              <a:rPr lang="uk"/>
+              <a:rPr lang="uk" dirty="0"/>
               <a:t>Можливості використання:</a:t>
             </a:r>
-            <a:endParaRPr/>
+            <a:endParaRPr dirty="0"/>
           </a:p>
           <a:p>
             <a:pPr marL="457200" lvl="0" indent="-300037" algn="l" rtl="0">
@@ -16246,10 +16246,10 @@
               <a:buChar char="–"/>
             </a:pPr>
             <a:r>
-              <a:rPr lang="uk"/>
+              <a:rPr lang="uk" dirty="0"/>
               <a:t>впровадження у сервіси розкрою матеріалів для автоматизації обліку та планування;</a:t>
             </a:r>
-            <a:endParaRPr/>
+            <a:endParaRPr dirty="0"/>
           </a:p>
           <a:p>
             <a:pPr marL="457200" lvl="0" indent="-300037" algn="l" rtl="0">
@@ -16266,10 +16266,10 @@
               <a:buChar char="–"/>
             </a:pPr>
             <a:r>
-              <a:rPr lang="uk"/>
+              <a:rPr lang="uk" dirty="0"/>
               <a:t>адаптація до різних виробничих сценаріїв.</a:t>
             </a:r>
-            <a:endParaRPr/>
+            <a:endParaRPr dirty="0"/>
           </a:p>
           <a:p>
             <a:pPr marL="0" lvl="0" indent="0" algn="l" rtl="0">
@@ -16290,10 +16290,10 @@
               <a:buNone/>
             </a:pPr>
             <a:r>
-              <a:rPr lang="uk"/>
+              <a:rPr lang="uk" dirty="0"/>
               <a:t>Можливий розвиток:</a:t>
             </a:r>
-            <a:endParaRPr/>
+            <a:endParaRPr dirty="0"/>
           </a:p>
           <a:p>
             <a:pPr marL="457200" lvl="0" indent="-300037" algn="l" rtl="0">
@@ -16310,10 +16310,10 @@
               <a:buChar char="–"/>
             </a:pPr>
             <a:r>
-              <a:rPr lang="uk"/>
+              <a:rPr lang="uk" dirty="0"/>
               <a:t>додавання автоматичного алгоритму оптимізації розташування моделей;</a:t>
             </a:r>
-            <a:endParaRPr/>
+            <a:endParaRPr dirty="0"/>
           </a:p>
           <a:p>
             <a:pPr marL="457200" lvl="0" indent="-300037" algn="l" rtl="0">
@@ -16330,10 +16330,10 @@
               <a:buChar char="–"/>
             </a:pPr>
             <a:r>
-              <a:rPr lang="uk"/>
+              <a:rPr lang="uk" dirty="0"/>
               <a:t>перехід до Blazor Web App для часткової серверної рендеризації;</a:t>
             </a:r>
-            <a:endParaRPr/>
+            <a:endParaRPr dirty="0"/>
           </a:p>
           <a:p>
             <a:pPr marL="457200" lvl="0" indent="-300037" algn="l" rtl="0">
@@ -16350,10 +16350,10 @@
               <a:buChar char="–"/>
             </a:pPr>
             <a:r>
-              <a:rPr lang="uk"/>
+              <a:rPr lang="uk" dirty="0"/>
               <a:t>інтеграція з хмарними сервісами зберігання файлів;</a:t>
             </a:r>
-            <a:endParaRPr/>
+            <a:endParaRPr dirty="0"/>
           </a:p>
           <a:p>
             <a:pPr marL="457200" lvl="0" indent="-300037" algn="l" rtl="0">
@@ -16370,10 +16370,10 @@
               <a:buChar char="–"/>
             </a:pPr>
             <a:r>
-              <a:rPr lang="uk"/>
+              <a:rPr lang="uk" dirty="0"/>
               <a:t>розширення можливостей редактора та підтримка більшого числа форматів.</a:t>
             </a:r>
-            <a:endParaRPr/>
+            <a:endParaRPr dirty="0"/>
           </a:p>
           <a:p>
             <a:pPr marL="0" lvl="0" indent="0" algn="l" rtl="0">
@@ -16389,7 +16389,7 @@
               <a:buSzPct val="100000"/>
               <a:buNone/>
             </a:pPr>
-            <a:endParaRPr/>
+            <a:endParaRPr dirty="0"/>
           </a:p>
         </p:txBody>
       </p:sp>
